--- a/Slides/Querying_with_T-SQL_-_09.pptx
+++ b/Slides/Querying_with_T-SQL_-_09.pptx
@@ -144,6 +144,10 @@
 </p:cmAuthorLst>
 </file>
 
+<file path=ppt/revisionInfo.xml><?xml version="1.0" encoding="utf-8"?>
+<p1510:revInfo xmlns:a="http://schemas.openxmlformats.org/drawingml/2006/main" xmlns:r="http://schemas.openxmlformats.org/officeDocument/2006/relationships" xmlns:p1510="http://schemas.microsoft.com/office/powerpoint/2015/10/main"/>
+</file>
+
 <file path=ppt/handoutMasters/handoutMaster1.xml><?xml version="1.0" encoding="utf-8"?>
 <p:handoutMaster xmlns:a="http://schemas.openxmlformats.org/drawingml/2006/main" xmlns:r="http://schemas.openxmlformats.org/officeDocument/2006/relationships" xmlns:p="http://schemas.openxmlformats.org/presentationml/2006/main">
   <p:cSld>
@@ -226,7 +230,7 @@
           <a:p>
             <a:fld id="{312E7B4A-039C-48A2-9B2C-AF16AA3873D8}" type="datetimeFigureOut">
               <a:rPr lang="en-US" smtClean="0"/>
-              <a:t>1/23/2015</a:t>
+              <a:t>9/12/2017</a:t>
             </a:fld>
             <a:endParaRPr lang="en-US"/>
           </a:p>
@@ -391,7 +395,7 @@
           <a:p>
             <a:fld id="{DA005A0C-54D9-45AA-87D4-C551D08DFCE1}" type="datetimeFigureOut">
               <a:rPr lang="en-US" smtClean="0"/>
-              <a:t>1/23/2015</a:t>
+              <a:t>9/12/2017</a:t>
             </a:fld>
             <a:endParaRPr lang="en-US"/>
           </a:p>
@@ -455,38 +459,37 @@
           <a:p>
             <a:pPr lvl="0"/>
             <a:r>
-              <a:rPr lang="en-US" smtClean="0"/>
+              <a:rPr lang="en-US"/>
               <a:t>Click to edit Master text styles</a:t>
             </a:r>
           </a:p>
           <a:p>
             <a:pPr lvl="1"/>
             <a:r>
-              <a:rPr lang="en-US" smtClean="0"/>
+              <a:rPr lang="en-US"/>
               <a:t>Second level</a:t>
             </a:r>
           </a:p>
           <a:p>
             <a:pPr lvl="2"/>
             <a:r>
-              <a:rPr lang="en-US" smtClean="0"/>
+              <a:rPr lang="en-US"/>
               <a:t>Third level</a:t>
             </a:r>
           </a:p>
           <a:p>
             <a:pPr lvl="3"/>
             <a:r>
-              <a:rPr lang="en-US" smtClean="0"/>
+              <a:rPr lang="en-US"/>
               <a:t>Fourth level</a:t>
             </a:r>
           </a:p>
           <a:p>
             <a:pPr lvl="4"/>
             <a:r>
-              <a:rPr lang="en-US" smtClean="0"/>
+              <a:rPr lang="en-US"/>
               <a:t>Fifth level</a:t>
             </a:r>
-            <a:endParaRPr lang="en-US"/>
           </a:p>
         </p:txBody>
       </p:sp>
@@ -1076,10 +1079,9 @@
           </a:lstStyle>
           <a:p>
             <a:r>
-              <a:rPr lang="en-US" dirty="0" smtClean="0"/>
+              <a:rPr lang="en-US" dirty="0"/>
               <a:t>Click to edit Master subtitle style</a:t>
             </a:r>
-            <a:endParaRPr lang="en-US" dirty="0"/>
           </a:p>
         </p:txBody>
       </p:sp>
@@ -1134,10 +1136,9 @@
           <a:p>
             <a:pPr lvl="0"/>
             <a:r>
-              <a:rPr lang="en-US" dirty="0" smtClean="0"/>
+              <a:rPr lang="en-US" dirty="0"/>
               <a:t>Course title style</a:t>
             </a:r>
-            <a:endParaRPr lang="en-US" dirty="0"/>
           </a:p>
         </p:txBody>
       </p:sp>
@@ -1253,13 +1254,6 @@
   <p:clrMapOvr>
     <a:masterClrMapping/>
   </p:clrMapOvr>
-  <p:timing>
-    <p:tnLst>
-      <p:par>
-        <p:cTn id="1" dur="indefinite" restart="never" nodeType="tmRoot"/>
-      </p:par>
-    </p:tnLst>
-  </p:timing>
   <p:extLst mod="1">
     <p:ext uri="{DCECCB84-F9BA-43D5-87BE-67443E8EF086}">
       <p15:sldGuideLst xmlns:p15="http://schemas.microsoft.com/office/powerpoint/2012/main">
@@ -1495,10 +1489,9 @@
           </a:lstStyle>
           <a:p>
             <a:r>
-              <a:rPr lang="en-US" smtClean="0"/>
+              <a:rPr lang="en-US"/>
               <a:t>Click to edit Master subtitle style</a:t>
             </a:r>
-            <a:endParaRPr lang="en-US"/>
           </a:p>
         </p:txBody>
       </p:sp>
@@ -1698,7 +1691,7 @@
           <a:p>
             <a:pPr lvl="0"/>
             <a:r>
-              <a:rPr lang="en-US" dirty="0" smtClean="0"/>
+              <a:rPr lang="en-US" dirty="0"/>
               <a:t>Module or Section transition style</a:t>
             </a:r>
           </a:p>
@@ -1830,10 +1823,9 @@
           </a:lstStyle>
           <a:p>
             <a:r>
-              <a:rPr lang="en-US" dirty="0" smtClean="0"/>
+              <a:rPr lang="en-US" dirty="0"/>
               <a:t>Click to edit Master subtitle style</a:t>
             </a:r>
-            <a:endParaRPr lang="en-US" dirty="0"/>
           </a:p>
         </p:txBody>
       </p:sp>
@@ -1847,13 +1839,6 @@
   <p:clrMapOvr>
     <a:masterClrMapping/>
   </p:clrMapOvr>
-  <p:timing>
-    <p:tnLst>
-      <p:par>
-        <p:cTn id="1" dur="indefinite" restart="never" nodeType="tmRoot"/>
-      </p:par>
-    </p:tnLst>
-  </p:timing>
   <p:extLst mod="1">
     <p:ext uri="{DCECCB84-F9BA-43D5-87BE-67443E8EF086}">
       <p15:sldGuideLst xmlns:p15="http://schemas.microsoft.com/office/powerpoint/2012/main">
@@ -1920,10 +1905,9 @@
           </a:lstStyle>
           <a:p>
             <a:r>
-              <a:rPr lang="en-US" dirty="0" smtClean="0"/>
+              <a:rPr lang="en-US" dirty="0"/>
               <a:t>Click to edit Master title style</a:t>
             </a:r>
-            <a:endParaRPr lang="en-US" dirty="0"/>
           </a:p>
         </p:txBody>
       </p:sp>
@@ -2016,13 +2000,6 @@
   <p:clrMapOvr>
     <a:masterClrMapping/>
   </p:clrMapOvr>
-  <p:timing>
-    <p:tnLst>
-      <p:par>
-        <p:cTn id="1" dur="indefinite" restart="never" nodeType="tmRoot"/>
-      </p:par>
-    </p:tnLst>
-  </p:timing>
 </p:sldLayout>
 </file>
 
@@ -2059,10 +2036,9 @@
           <a:lstStyle/>
           <a:p>
             <a:r>
-              <a:rPr lang="en-US" dirty="0" smtClean="0"/>
+              <a:rPr lang="en-US" dirty="0"/>
               <a:t>Click to edit Master title style</a:t>
             </a:r>
-            <a:endParaRPr lang="en-US" dirty="0"/>
           </a:p>
         </p:txBody>
       </p:sp>
@@ -2130,38 +2106,37 @@
           <a:p>
             <a:pPr lvl="0"/>
             <a:r>
-              <a:rPr lang="en-US" dirty="0" smtClean="0"/>
+              <a:rPr lang="en-US" dirty="0"/>
               <a:t>Click to edit Master text styles</a:t>
             </a:r>
           </a:p>
           <a:p>
             <a:pPr lvl="1"/>
             <a:r>
-              <a:rPr lang="en-US" dirty="0" smtClean="0"/>
+              <a:rPr lang="en-US" dirty="0"/>
               <a:t>Second level</a:t>
             </a:r>
           </a:p>
           <a:p>
             <a:pPr lvl="2"/>
             <a:r>
-              <a:rPr lang="en-US" dirty="0" smtClean="0"/>
+              <a:rPr lang="en-US" dirty="0"/>
               <a:t>Third level</a:t>
             </a:r>
           </a:p>
           <a:p>
             <a:pPr lvl="3"/>
             <a:r>
-              <a:rPr lang="en-US" dirty="0" smtClean="0"/>
+              <a:rPr lang="en-US" dirty="0"/>
               <a:t>Fourth level</a:t>
             </a:r>
           </a:p>
           <a:p>
             <a:pPr lvl="4"/>
             <a:r>
-              <a:rPr lang="en-US" dirty="0" smtClean="0"/>
+              <a:rPr lang="en-US" dirty="0"/>
               <a:t>Fifth level</a:t>
             </a:r>
-            <a:endParaRPr lang="en-US" dirty="0"/>
           </a:p>
         </p:txBody>
       </p:sp>
@@ -2175,13 +2150,6 @@
   <p:clrMapOvr>
     <a:masterClrMapping/>
   </p:clrMapOvr>
-  <p:timing>
-    <p:tnLst>
-      <p:par>
-        <p:cTn id="1" dur="indefinite" restart="never" nodeType="tmRoot"/>
-      </p:par>
-    </p:tnLst>
-  </p:timing>
 </p:sldLayout>
 </file>
 
@@ -2257,38 +2225,37 @@
           <a:p>
             <a:pPr lvl="0"/>
             <a:r>
-              <a:rPr lang="en-US" dirty="0" smtClean="0"/>
+              <a:rPr lang="en-US" dirty="0"/>
               <a:t>Click to edit Master text styles</a:t>
             </a:r>
           </a:p>
           <a:p>
             <a:pPr lvl="1"/>
             <a:r>
-              <a:rPr lang="en-US" dirty="0" smtClean="0"/>
+              <a:rPr lang="en-US" dirty="0"/>
               <a:t>Second level</a:t>
             </a:r>
           </a:p>
           <a:p>
             <a:pPr lvl="2"/>
             <a:r>
-              <a:rPr lang="en-US" dirty="0" smtClean="0"/>
+              <a:rPr lang="en-US" dirty="0"/>
               <a:t>Third level</a:t>
             </a:r>
           </a:p>
           <a:p>
             <a:pPr lvl="3"/>
             <a:r>
-              <a:rPr lang="en-US" dirty="0" smtClean="0"/>
+              <a:rPr lang="en-US" dirty="0"/>
               <a:t>Fourth level</a:t>
             </a:r>
           </a:p>
           <a:p>
             <a:pPr lvl="4"/>
             <a:r>
-              <a:rPr lang="en-US" dirty="0" smtClean="0"/>
+              <a:rPr lang="en-US" dirty="0"/>
               <a:t>Fifth level</a:t>
             </a:r>
-            <a:endParaRPr lang="en-US" dirty="0"/>
           </a:p>
         </p:txBody>
       </p:sp>
@@ -2347,38 +2314,37 @@
           <a:p>
             <a:pPr lvl="0"/>
             <a:r>
-              <a:rPr lang="en-US" dirty="0" smtClean="0"/>
+              <a:rPr lang="en-US" dirty="0"/>
               <a:t>Click to edit Master text styles</a:t>
             </a:r>
           </a:p>
           <a:p>
             <a:pPr lvl="1"/>
             <a:r>
-              <a:rPr lang="en-US" dirty="0" smtClean="0"/>
+              <a:rPr lang="en-US" dirty="0"/>
               <a:t>Second level</a:t>
             </a:r>
           </a:p>
           <a:p>
             <a:pPr lvl="2"/>
             <a:r>
-              <a:rPr lang="en-US" dirty="0" smtClean="0"/>
+              <a:rPr lang="en-US" dirty="0"/>
               <a:t>Third level</a:t>
             </a:r>
           </a:p>
           <a:p>
             <a:pPr lvl="3"/>
             <a:r>
-              <a:rPr lang="en-US" dirty="0" smtClean="0"/>
+              <a:rPr lang="en-US" dirty="0"/>
               <a:t>Fourth level</a:t>
             </a:r>
           </a:p>
           <a:p>
             <a:pPr lvl="4"/>
             <a:r>
-              <a:rPr lang="en-US" dirty="0" smtClean="0"/>
+              <a:rPr lang="en-US" dirty="0"/>
               <a:t>Fifth level</a:t>
             </a:r>
-            <a:endParaRPr lang="en-US" dirty="0"/>
           </a:p>
         </p:txBody>
       </p:sp>
@@ -2398,10 +2364,9 @@
           <a:lstStyle/>
           <a:p>
             <a:r>
-              <a:rPr lang="en-US" smtClean="0"/>
+              <a:rPr lang="en-US"/>
               <a:t>Click to edit Master title style</a:t>
             </a:r>
-            <a:endParaRPr lang="en-US"/>
           </a:p>
         </p:txBody>
       </p:sp>
@@ -2415,13 +2380,6 @@
   <p:clrMapOvr>
     <a:masterClrMapping/>
   </p:clrMapOvr>
-  <p:timing>
-    <p:tnLst>
-      <p:par>
-        <p:cTn id="1" dur="indefinite" restart="never" nodeType="tmRoot"/>
-      </p:par>
-    </p:tnLst>
-  </p:timing>
 </p:sldLayout>
 </file>
 
@@ -2514,7 +2472,7 @@
           <a:p>
             <a:pPr lvl="0"/>
             <a:r>
-              <a:rPr lang="en-US" dirty="0" smtClean="0"/>
+              <a:rPr lang="en-US" dirty="0"/>
               <a:t>Click to edit Master text styles</a:t>
             </a:r>
           </a:p>
@@ -2573,38 +2531,37 @@
           <a:p>
             <a:pPr lvl="0"/>
             <a:r>
-              <a:rPr lang="en-US" dirty="0" smtClean="0"/>
+              <a:rPr lang="en-US" dirty="0"/>
               <a:t>Click to edit Master text styles</a:t>
             </a:r>
           </a:p>
           <a:p>
             <a:pPr lvl="1"/>
             <a:r>
-              <a:rPr lang="en-US" dirty="0" smtClean="0"/>
+              <a:rPr lang="en-US" dirty="0"/>
               <a:t>Second level</a:t>
             </a:r>
           </a:p>
           <a:p>
             <a:pPr lvl="2"/>
             <a:r>
-              <a:rPr lang="en-US" dirty="0" smtClean="0"/>
+              <a:rPr lang="en-US" dirty="0"/>
               <a:t>Third level</a:t>
             </a:r>
           </a:p>
           <a:p>
             <a:pPr lvl="3"/>
             <a:r>
-              <a:rPr lang="en-US" dirty="0" smtClean="0"/>
+              <a:rPr lang="en-US" dirty="0"/>
               <a:t>Fourth level</a:t>
             </a:r>
           </a:p>
           <a:p>
             <a:pPr lvl="4"/>
             <a:r>
-              <a:rPr lang="en-US" dirty="0" smtClean="0"/>
+              <a:rPr lang="en-US" dirty="0"/>
               <a:t>Fifth level</a:t>
             </a:r>
-            <a:endParaRPr lang="en-US" dirty="0"/>
           </a:p>
         </p:txBody>
       </p:sp>
@@ -2680,7 +2637,7 @@
           <a:p>
             <a:pPr lvl="0"/>
             <a:r>
-              <a:rPr lang="en-US" dirty="0" smtClean="0"/>
+              <a:rPr lang="en-US" dirty="0"/>
               <a:t>Click to edit Master text styles</a:t>
             </a:r>
           </a:p>
@@ -2739,38 +2696,37 @@
           <a:p>
             <a:pPr lvl="0"/>
             <a:r>
-              <a:rPr lang="en-US" dirty="0" smtClean="0"/>
+              <a:rPr lang="en-US" dirty="0"/>
               <a:t>Click to edit Master text styles</a:t>
             </a:r>
           </a:p>
           <a:p>
             <a:pPr lvl="1"/>
             <a:r>
-              <a:rPr lang="en-US" dirty="0" smtClean="0"/>
+              <a:rPr lang="en-US" dirty="0"/>
               <a:t>Second level</a:t>
             </a:r>
           </a:p>
           <a:p>
             <a:pPr lvl="2"/>
             <a:r>
-              <a:rPr lang="en-US" dirty="0" smtClean="0"/>
+              <a:rPr lang="en-US" dirty="0"/>
               <a:t>Third level</a:t>
             </a:r>
           </a:p>
           <a:p>
             <a:pPr lvl="3"/>
             <a:r>
-              <a:rPr lang="en-US" dirty="0" smtClean="0"/>
+              <a:rPr lang="en-US" dirty="0"/>
               <a:t>Fourth level</a:t>
             </a:r>
           </a:p>
           <a:p>
             <a:pPr lvl="4"/>
             <a:r>
-              <a:rPr lang="en-US" dirty="0" smtClean="0"/>
+              <a:rPr lang="en-US" dirty="0"/>
               <a:t>Fifth level</a:t>
             </a:r>
-            <a:endParaRPr lang="en-US" dirty="0"/>
           </a:p>
         </p:txBody>
       </p:sp>
@@ -2790,10 +2746,9 @@
           <a:lstStyle/>
           <a:p>
             <a:r>
-              <a:rPr lang="en-US" smtClean="0"/>
+              <a:rPr lang="en-US"/>
               <a:t>Click to edit Master title style</a:t>
             </a:r>
-            <a:endParaRPr lang="en-US"/>
           </a:p>
         </p:txBody>
       </p:sp>
@@ -2807,13 +2762,6 @@
   <p:clrMapOvr>
     <a:masterClrMapping/>
   </p:clrMapOvr>
-  <p:timing>
-    <p:tnLst>
-      <p:par>
-        <p:cTn id="1" dur="indefinite" restart="never" nodeType="tmRoot"/>
-      </p:par>
-    </p:tnLst>
-  </p:timing>
 </p:sldLayout>
 </file>
 
@@ -2850,10 +2798,9 @@
           <a:lstStyle/>
           <a:p>
             <a:r>
-              <a:rPr lang="en-US" smtClean="0"/>
+              <a:rPr lang="en-US"/>
               <a:t>Click to edit Master title style</a:t>
             </a:r>
-            <a:endParaRPr lang="en-US"/>
           </a:p>
         </p:txBody>
       </p:sp>
@@ -2867,13 +2814,6 @@
   <p:clrMapOvr>
     <a:masterClrMapping/>
   </p:clrMapOvr>
-  <p:timing>
-    <p:tnLst>
-      <p:par>
-        <p:cTn id="1" dur="indefinite" restart="never" nodeType="tmRoot"/>
-      </p:par>
-    </p:tnLst>
-  </p:timing>
 </p:sldLayout>
 </file>
 
@@ -2904,13 +2844,6 @@
   <p:clrMapOvr>
     <a:masterClrMapping/>
   </p:clrMapOvr>
-  <p:timing>
-    <p:tnLst>
-      <p:par>
-        <p:cTn id="1" dur="indefinite" restart="never" nodeType="tmRoot"/>
-      </p:par>
-    </p:tnLst>
-  </p:timing>
 </p:sldLayout>
 </file>
 
@@ -3043,27 +2976,7 @@
                   </a:schemeClr>
                 </a:solidFill>
               </a:rPr>
-              <a:t>©</a:t>
-            </a:r>
-            <a:r>
-              <a:rPr lang="en-US" sz="1050" dirty="0" smtClean="0">
-                <a:solidFill>
-                  <a:schemeClr val="bg1">
-                    <a:lumMod val="85000"/>
-                  </a:schemeClr>
-                </a:solidFill>
-              </a:rPr>
-              <a:t>2014 </a:t>
-            </a:r>
-            <a:r>
-              <a:rPr lang="en-US" sz="1050" dirty="0">
-                <a:solidFill>
-                  <a:schemeClr val="bg1">
-                    <a:lumMod val="85000"/>
-                  </a:schemeClr>
-                </a:solidFill>
-              </a:rPr>
-              <a:t>Microsoft Corporation. All rights reserved. Microsoft, Windows, Office, Azure, System Center, Dynamics and other product names are or may be registered trademarks and/or trademarks in the U.S. and/or other countries. The information herein is for informational purposes only and represents the current view of Microsoft Corporation as of the date of this presentation. Because Microsoft must respond to changing market conditions, it should not be interpreted to be a commitment on the part of Microsoft, and Microsoft cannot guarantee the accuracy of any information provided after the date of this presentation. MICROSOFT MAKES NO WARRANTIES, EXPRESS, IMPLIED OR STATUTORY, AS TO THE INFORMATION IN THIS PRESENTATION.</a:t>
+              <a:t>©2014 Microsoft Corporation. All rights reserved. Microsoft, Windows, Office, Azure, System Center, Dynamics and other product names are or may be registered trademarks and/or trademarks in the U.S. and/or other countries. The information herein is for informational purposes only and represents the current view of Microsoft Corporation as of the date of this presentation. Because Microsoft must respond to changing market conditions, it should not be interpreted to be a commitment on the part of Microsoft, and Microsoft cannot guarantee the accuracy of any information provided after the date of this presentation. MICROSOFT MAKES NO WARRANTIES, EXPRESS, IMPLIED OR STATUTORY, AS TO THE INFORMATION IN THIS PRESENTATION.</a:t>
             </a:r>
           </a:p>
         </p:txBody>
@@ -3107,21 +3020,6 @@
   <p:clrMapOvr>
     <a:masterClrMapping/>
   </p:clrMapOvr>
-  <mc:AlternateContent xmlns:mc="http://schemas.openxmlformats.org/markup-compatibility/2006" xmlns:p14="http://schemas.microsoft.com/office/powerpoint/2010/main">
-    <mc:Choice Requires="p14">
-      <p:transition spd="slow" p14:dur="2000"/>
-    </mc:Choice>
-    <mc:Fallback xmlns="">
-      <p:transition spd="slow"/>
-    </mc:Fallback>
-  </mc:AlternateContent>
-  <p:timing>
-    <p:tnLst>
-      <p:par>
-        <p:cTn id="1" dur="indefinite" restart="never" nodeType="tmRoot"/>
-      </p:par>
-    </p:tnLst>
-  </p:timing>
 </p:sldLayout>
 </file>
 
@@ -3173,10 +3071,9 @@
           <a:lstStyle/>
           <a:p>
             <a:r>
-              <a:rPr lang="en-US" dirty="0" smtClean="0"/>
+              <a:rPr lang="en-US" dirty="0"/>
               <a:t>Click to edit Master title style</a:t>
             </a:r>
-            <a:endParaRPr lang="en-US" dirty="0"/>
           </a:p>
         </p:txBody>
       </p:sp>
@@ -3199,13 +3096,6 @@
     <p:sldLayoutId id="2147483668" r:id="rId8"/>
     <p:sldLayoutId id="2147483669" r:id="rId9"/>
   </p:sldLayoutIdLst>
-  <p:timing>
-    <p:tnLst>
-      <p:par>
-        <p:cTn id="1" dur="indefinite" restart="never" nodeType="tmRoot"/>
-      </p:par>
-    </p:tnLst>
-  </p:timing>
   <p:txStyles>
     <p:titleStyle>
       <a:lvl1pPr algn="l" defTabSz="914088" rtl="0" eaLnBrk="1" latinLnBrk="0" hangingPunct="1">
@@ -3509,10 +3399,9 @@
           <a:p>
             <a:pPr marL="914400" indent="-914400"/>
             <a:r>
-              <a:rPr lang="en-US" dirty="0" smtClean="0"/>
+              <a:rPr lang="en-US" dirty="0"/>
               <a:t>09 | Modifying Data</a:t>
             </a:r>
-            <a:endParaRPr lang="en-US" dirty="0"/>
           </a:p>
         </p:txBody>
       </p:sp>
@@ -3555,13 +3444,6 @@
   <p:clrMapOvr>
     <a:masterClrMapping/>
   </p:clrMapOvr>
-  <p:timing>
-    <p:tnLst>
-      <p:par>
-        <p:cTn id="1" dur="indefinite" restart="never" nodeType="tmRoot"/>
-      </p:par>
-    </p:tnLst>
-  </p:timing>
 </p:sld>
 </file>
 
@@ -3598,10 +3480,9 @@
           <a:lstStyle/>
           <a:p>
             <a:r>
-              <a:rPr lang="en-GB" dirty="0" smtClean="0"/>
+              <a:rPr lang="en-GB" dirty="0"/>
               <a:t>Updating and Deleting Data</a:t>
             </a:r>
-            <a:endParaRPr lang="en-GB" dirty="0"/>
           </a:p>
         </p:txBody>
       </p:sp>
@@ -3653,25 +3534,25 @@
           <a:lstStyle/>
           <a:p>
             <a:r>
-              <a:rPr lang="en-GB" dirty="0" smtClean="0"/>
+              <a:rPr lang="en-GB" dirty="0"/>
               <a:t>Inserting Data into Tables</a:t>
             </a:r>
           </a:p>
           <a:p>
             <a:r>
-              <a:rPr lang="en-GB" dirty="0" smtClean="0"/>
+              <a:rPr lang="en-GB" dirty="0"/>
               <a:t>Generating Identifiers</a:t>
             </a:r>
           </a:p>
           <a:p>
             <a:r>
-              <a:rPr lang="en-GB" dirty="0" smtClean="0"/>
+              <a:rPr lang="en-GB" dirty="0"/>
               <a:t>Updating Data in Tables</a:t>
             </a:r>
           </a:p>
           <a:p>
             <a:r>
-              <a:rPr lang="en-GB" dirty="0" smtClean="0"/>
+              <a:rPr lang="en-GB" dirty="0"/>
               <a:t>Deleting Data in Tables</a:t>
             </a:r>
           </a:p>
@@ -3680,14 +3561,14 @@
           </a:p>
           <a:p>
             <a:r>
-              <a:rPr lang="en-GB" dirty="0" smtClean="0"/>
+              <a:rPr lang="en-GB" dirty="0"/>
               <a:t>Lab: </a:t>
             </a:r>
             <a:r>
               <a:rPr lang="en-US"/>
               <a:t>Modifying Data</a:t>
             </a:r>
-            <a:endParaRPr lang="en-GB" dirty="0" smtClean="0"/>
+            <a:endParaRPr lang="en-GB" dirty="0"/>
           </a:p>
         </p:txBody>
       </p:sp>
@@ -3707,10 +3588,9 @@
           <a:lstStyle/>
           <a:p>
             <a:r>
-              <a:rPr lang="en-US" dirty="0" smtClean="0"/>
+              <a:rPr lang="en-US" dirty="0"/>
               <a:t>Modifying Data</a:t>
             </a:r>
-            <a:endParaRPr lang="en-US" dirty="0"/>
           </a:p>
         </p:txBody>
       </p:sp>
@@ -3724,13 +3604,6 @@
   <p:clrMapOvr>
     <a:masterClrMapping/>
   </p:clrMapOvr>
-  <p:timing>
-    <p:tnLst>
-      <p:par>
-        <p:cTn id="1" dur="indefinite" restart="never" nodeType="tmRoot"/>
-      </p:par>
-    </p:tnLst>
-  </p:timing>
 </p:sld>
 </file>
 
@@ -3799,25 +3672,25 @@
           <a:lstStyle/>
           <a:p>
             <a:r>
-              <a:rPr lang="en-GB" dirty="0" smtClean="0"/>
+              <a:rPr lang="en-GB" dirty="0"/>
               <a:t>Inserting Data into Tables</a:t>
             </a:r>
           </a:p>
           <a:p>
             <a:r>
-              <a:rPr lang="en-GB" dirty="0" smtClean="0"/>
+              <a:rPr lang="en-GB" dirty="0"/>
               <a:t>Generating Identifiers</a:t>
             </a:r>
           </a:p>
           <a:p>
             <a:r>
-              <a:rPr lang="en-GB" dirty="0" smtClean="0"/>
+              <a:rPr lang="en-GB" dirty="0"/>
               <a:t>Updating Data in Tables</a:t>
             </a:r>
           </a:p>
           <a:p>
             <a:r>
-              <a:rPr lang="en-GB" dirty="0" smtClean="0"/>
+              <a:rPr lang="en-GB" dirty="0"/>
               <a:t>Deleting Data in Tables</a:t>
             </a:r>
           </a:p>
@@ -3839,10 +3712,9 @@
           <a:lstStyle/>
           <a:p>
             <a:r>
-              <a:rPr lang="en-US" dirty="0" smtClean="0"/>
+              <a:rPr lang="en-US" dirty="0"/>
               <a:t>Module Overview</a:t>
             </a:r>
-            <a:endParaRPr lang="en-US" dirty="0"/>
           </a:p>
         </p:txBody>
       </p:sp>
@@ -3856,13 +3728,6 @@
   <p:clrMapOvr>
     <a:masterClrMapping/>
   </p:clrMapOvr>
-  <p:timing>
-    <p:tnLst>
-      <p:par>
-        <p:cTn id="1" dur="indefinite" restart="never" nodeType="tmRoot"/>
-      </p:par>
-    </p:tnLst>
-  </p:timing>
 </p:sld>
 </file>
 
@@ -3899,10 +3764,9 @@
           <a:lstStyle/>
           <a:p>
             <a:r>
-              <a:rPr lang="en-GB" dirty="0" smtClean="0"/>
+              <a:rPr lang="en-GB" dirty="0"/>
               <a:t>Inserting Data into Tables</a:t>
             </a:r>
-            <a:endParaRPr lang="en-GB" dirty="0"/>
           </a:p>
         </p:txBody>
       </p:sp>
@@ -3927,61 +3791,61 @@
           <a:lstStyle/>
           <a:p>
             <a:r>
-              <a:rPr lang="en-GB" dirty="0" smtClean="0"/>
+              <a:rPr lang="en-GB" dirty="0"/>
               <a:t>INSERT…VALUES</a:t>
             </a:r>
           </a:p>
           <a:p>
             <a:pPr lvl="1"/>
             <a:r>
-              <a:rPr lang="en-GB" dirty="0" smtClean="0"/>
+              <a:rPr lang="en-GB" dirty="0"/>
               <a:t>Inserts explicit values</a:t>
             </a:r>
           </a:p>
           <a:p>
             <a:pPr lvl="1"/>
             <a:r>
-              <a:rPr lang="en-GB" dirty="0" smtClean="0"/>
+              <a:rPr lang="en-GB" dirty="0"/>
               <a:t>You can omit identity columns, columns that allow NULL, and columns with default constraints.</a:t>
             </a:r>
           </a:p>
           <a:p>
             <a:pPr lvl="1"/>
             <a:r>
-              <a:rPr lang="en-GB" dirty="0" smtClean="0"/>
+              <a:rPr lang="en-GB" dirty="0"/>
               <a:t>You can also explicitly specify NULL and DEFAULT</a:t>
             </a:r>
           </a:p>
           <a:p>
             <a:r>
-              <a:rPr lang="en-GB" dirty="0" smtClean="0"/>
+              <a:rPr lang="en-GB" dirty="0"/>
               <a:t>INSERT…SELECT / INSERT…EXEC</a:t>
             </a:r>
           </a:p>
           <a:p>
             <a:pPr lvl="1"/>
             <a:r>
-              <a:rPr lang="en-GB" dirty="0" smtClean="0"/>
+              <a:rPr lang="en-GB" dirty="0"/>
               <a:t>Inserts the results returned by the query or stored procedure into an existing table</a:t>
             </a:r>
           </a:p>
           <a:p>
             <a:r>
-              <a:rPr lang="en-GB" dirty="0" smtClean="0"/>
+              <a:rPr lang="en-GB" dirty="0"/>
               <a:t>SELECT…INTO</a:t>
             </a:r>
           </a:p>
           <a:p>
             <a:pPr lvl="1"/>
             <a:r>
-              <a:rPr lang="en-GB" dirty="0" smtClean="0"/>
+              <a:rPr lang="en-GB" dirty="0"/>
               <a:t>Creates a new table from the results of a query</a:t>
             </a:r>
           </a:p>
           <a:p>
             <a:pPr lvl="1"/>
             <a:r>
-              <a:rPr lang="en-GB" dirty="0" smtClean="0"/>
+              <a:rPr lang="en-GB" dirty="0"/>
               <a:t>Not currently supported in Azure SQL Database</a:t>
             </a:r>
           </a:p>
@@ -4405,17 +4269,13 @@
           <a:p>
             <a:r>
               <a:rPr lang="en-GB" dirty="0"/>
-              <a:t>Generating </a:t>
-            </a:r>
-            <a:r>
-              <a:rPr lang="en-GB" dirty="0" smtClean="0"/>
-              <a:t>Identifiers</a:t>
+              <a:t>Generating Identifiers</a:t>
             </a:r>
             <a:br>
-              <a:rPr lang="en-GB" dirty="0" smtClean="0"/>
+              <a:rPr lang="en-GB" dirty="0"/>
             </a:br>
             <a:r>
-              <a:rPr lang="en-GB" sz="4000" dirty="0" smtClean="0">
+              <a:rPr lang="en-GB" sz="4000" dirty="0">
                 <a:solidFill>
                   <a:schemeClr val="bg1">
                     <a:lumMod val="50000"/>
@@ -4424,13 +4284,6 @@
               </a:rPr>
               <a:t>Using Identity Columns</a:t>
             </a:r>
-            <a:endParaRPr lang="en-GB" sz="4000" dirty="0">
-              <a:solidFill>
-                <a:schemeClr val="bg1">
-                  <a:lumMod val="50000"/>
-                </a:schemeClr>
-              </a:solidFill>
-            </a:endParaRPr>
           </a:p>
         </p:txBody>
       </p:sp>
@@ -4463,61 +4316,56 @@
             <a:pPr lvl="1"/>
             <a:r>
               <a:rPr lang="en-GB" dirty="0"/>
-              <a:t>Can specify optional seed and increment </a:t>
-            </a:r>
-            <a:r>
-              <a:rPr lang="en-GB" dirty="0" smtClean="0"/>
-              <a:t>values</a:t>
+              <a:t>Can specify optional seed and increment values</a:t>
             </a:r>
           </a:p>
           <a:p>
             <a:pPr lvl="1"/>
             <a:r>
-              <a:rPr lang="en-GB" dirty="0" smtClean="0"/>
+              <a:rPr lang="en-GB" dirty="0"/>
               <a:t>Use system variables and functions to return last inserted identity:</a:t>
             </a:r>
           </a:p>
           <a:p>
             <a:pPr lvl="2"/>
             <a:r>
-              <a:rPr lang="en-GB" b="1" dirty="0" smtClean="0"/>
+              <a:rPr lang="en-GB" b="1" dirty="0"/>
               <a:t>@@IDENTITY</a:t>
             </a:r>
             <a:r>
-              <a:rPr lang="en-GB" dirty="0" smtClean="0"/>
+              <a:rPr lang="en-GB" dirty="0"/>
               <a:t>: The last identity generated in the session</a:t>
             </a:r>
           </a:p>
           <a:p>
             <a:pPr lvl="2"/>
             <a:r>
-              <a:rPr lang="en-GB" b="1" dirty="0" smtClean="0"/>
+              <a:rPr lang="en-GB" b="1" dirty="0"/>
               <a:t>SCOPE_IDENTITY()</a:t>
             </a:r>
             <a:r>
-              <a:rPr lang="en-GB" dirty="0" smtClean="0"/>
+              <a:rPr lang="en-GB" dirty="0"/>
               <a:t>: The last identity generated in the current scope</a:t>
             </a:r>
           </a:p>
           <a:p>
             <a:pPr lvl="2"/>
             <a:r>
-              <a:rPr lang="en-GB" b="1" dirty="0" smtClean="0"/>
+              <a:rPr lang="en-GB" b="1" dirty="0"/>
               <a:t>IDENT_CURRENT('&lt;</a:t>
             </a:r>
             <a:r>
-              <a:rPr lang="en-GB" b="1" i="1" dirty="0" err="1" smtClean="0"/>
+              <a:rPr lang="en-GB" b="1" i="1" dirty="0" err="1"/>
               <a:t>table_name</a:t>
             </a:r>
             <a:r>
-              <a:rPr lang="en-GB" b="1" dirty="0" smtClean="0"/>
+              <a:rPr lang="en-GB" b="1" dirty="0"/>
               <a:t>&gt;')</a:t>
             </a:r>
             <a:r>
-              <a:rPr lang="en-GB" dirty="0" smtClean="0"/>
+              <a:rPr lang="en-GB" dirty="0"/>
               <a:t>: The last identity inserted into a table</a:t>
             </a:r>
-            <a:endParaRPr lang="en-GB" dirty="0"/>
           </a:p>
         </p:txBody>
       </p:sp>
@@ -4583,7 +4431,7 @@
               <a:defRPr/>
             </a:pPr>
             <a:r>
-              <a:rPr kumimoji="0" lang="en-US" sz="2000" i="0" u="none" strike="noStrike" kern="0" cap="none" spc="0" normalizeH="0" baseline="0" noProof="0" dirty="0" smtClean="0">
+              <a:rPr kumimoji="0" lang="en-US" sz="2000" i="0" u="none" strike="noStrike" kern="0" cap="none" spc="0" normalizeH="0" baseline="0" noProof="0" dirty="0">
                 <a:ln>
                   <a:noFill/>
                 </a:ln>
@@ -4596,7 +4444,7 @@
               <a:t>INSERT INTO </a:t>
             </a:r>
             <a:r>
-              <a:rPr kumimoji="0" lang="en-US" sz="2000" i="0" u="none" strike="noStrike" kern="0" cap="none" spc="0" normalizeH="0" baseline="0" noProof="0" dirty="0" err="1" smtClean="0">
+              <a:rPr kumimoji="0" lang="en-US" sz="2000" i="0" u="none" strike="noStrike" kern="0" cap="none" spc="0" normalizeH="0" baseline="0" noProof="0" dirty="0" err="1">
                 <a:ln>
                   <a:noFill/>
                 </a:ln>
@@ -4609,7 +4457,7 @@
               <a:t>Sales.Orders</a:t>
             </a:r>
             <a:r>
-              <a:rPr kumimoji="0" lang="en-US" sz="2000" i="0" u="none" strike="noStrike" kern="0" cap="none" spc="0" normalizeH="0" baseline="0" noProof="0" dirty="0" smtClean="0">
+              <a:rPr kumimoji="0" lang="en-US" sz="2000" i="0" u="none" strike="noStrike" kern="0" cap="none" spc="0" normalizeH="0" baseline="0" noProof="0" dirty="0">
                 <a:ln>
                   <a:noFill/>
                 </a:ln>
@@ -4622,7 +4470,7 @@
               <a:t> (</a:t>
             </a:r>
             <a:r>
-              <a:rPr kumimoji="0" lang="en-US" sz="2000" i="0" u="none" strike="noStrike" kern="0" cap="none" spc="0" normalizeH="0" baseline="0" noProof="0" dirty="0" err="1" smtClean="0">
+              <a:rPr kumimoji="0" lang="en-US" sz="2000" i="0" u="none" strike="noStrike" kern="0" cap="none" spc="0" normalizeH="0" baseline="0" noProof="0" dirty="0" err="1">
                 <a:ln>
                   <a:noFill/>
                 </a:ln>
@@ -4635,7 +4483,7 @@
               <a:t>CustomerID</a:t>
             </a:r>
             <a:r>
-              <a:rPr kumimoji="0" lang="en-US" sz="2000" i="0" u="none" strike="noStrike" kern="0" cap="none" spc="0" normalizeH="0" baseline="0" noProof="0" dirty="0" smtClean="0">
+              <a:rPr kumimoji="0" lang="en-US" sz="2000" i="0" u="none" strike="noStrike" kern="0" cap="none" spc="0" normalizeH="0" baseline="0" noProof="0" dirty="0">
                 <a:ln>
                   <a:noFill/>
                 </a:ln>
@@ -4667,7 +4515,7 @@
               <a:defRPr/>
             </a:pPr>
             <a:r>
-              <a:rPr lang="en-US" sz="2000" kern="0" dirty="0" smtClean="0">
+              <a:rPr lang="en-US" sz="2000" kern="0" dirty="0">
                 <a:latin typeface="Lucida Sans Unicode" panose="020B0602030504020204" pitchFamily="34" charset="0"/>
                 <a:cs typeface="Lucida Sans Unicode" panose="020B0602030504020204" pitchFamily="34" charset="0"/>
               </a:rPr>
@@ -4693,7 +4541,7 @@
               <a:defRPr/>
             </a:pPr>
             <a:r>
-              <a:rPr kumimoji="0" lang="en-US" sz="2000" i="0" u="none" strike="noStrike" kern="0" cap="none" spc="0" normalizeH="0" baseline="0" noProof="0" dirty="0" smtClean="0">
+              <a:rPr kumimoji="0" lang="en-US" sz="2000" i="0" u="none" strike="noStrike" kern="0" cap="none" spc="0" normalizeH="0" baseline="0" noProof="0" dirty="0">
                 <a:ln>
                   <a:noFill/>
                 </a:ln>
@@ -4725,7 +4573,7 @@
               <a:defRPr/>
             </a:pPr>
             <a:r>
-              <a:rPr lang="en-US" sz="2000" kern="0" dirty="0" smtClean="0">
+              <a:rPr lang="en-US" sz="2000" kern="0" dirty="0">
                 <a:latin typeface="Lucida Sans Unicode" panose="020B0602030504020204" pitchFamily="34" charset="0"/>
                 <a:cs typeface="Lucida Sans Unicode" panose="020B0602030504020204" pitchFamily="34" charset="0"/>
               </a:rPr>
@@ -4751,7 +4599,7 @@
               <a:defRPr/>
             </a:pPr>
             <a:r>
-              <a:rPr kumimoji="0" lang="en-US" sz="2000" i="0" u="none" strike="noStrike" kern="0" cap="none" spc="0" normalizeH="0" baseline="0" noProof="0" dirty="0" smtClean="0">
+              <a:rPr kumimoji="0" lang="en-US" sz="2000" i="0" u="none" strike="noStrike" kern="0" cap="none" spc="0" normalizeH="0" baseline="0" noProof="0" dirty="0">
                 <a:ln>
                   <a:noFill/>
                 </a:ln>
@@ -4764,7 +4612,7 @@
               <a:t>SELECT SCOPE_IDENTITY() AS </a:t>
             </a:r>
             <a:r>
-              <a:rPr kumimoji="0" lang="en-US" sz="2000" i="0" u="none" strike="noStrike" kern="0" cap="none" spc="0" normalizeH="0" baseline="0" noProof="0" dirty="0" err="1" smtClean="0">
+              <a:rPr kumimoji="0" lang="en-US" sz="2000" i="0" u="none" strike="noStrike" kern="0" cap="none" spc="0" normalizeH="0" baseline="0" noProof="0" dirty="0" err="1">
                 <a:ln>
                   <a:noFill/>
                 </a:ln>
@@ -4777,7 +4625,7 @@
               <a:t>OrderID</a:t>
             </a:r>
             <a:r>
-              <a:rPr kumimoji="0" lang="en-US" sz="2000" i="0" u="none" strike="noStrike" kern="0" cap="none" spc="0" normalizeH="0" baseline="0" noProof="0" dirty="0" smtClean="0">
+              <a:rPr kumimoji="0" lang="en-US" sz="2000" i="0" u="none" strike="noStrike" kern="0" cap="none" spc="0" normalizeH="0" baseline="0" noProof="0" dirty="0">
                 <a:ln>
                   <a:noFill/>
                 </a:ln>
@@ -5106,17 +4954,13 @@
           <a:p>
             <a:r>
               <a:rPr lang="en-GB" dirty="0"/>
-              <a:t>Generating </a:t>
-            </a:r>
-            <a:r>
-              <a:rPr lang="en-GB" dirty="0" smtClean="0"/>
-              <a:t>Identifiers</a:t>
+              <a:t>Generating Identifiers</a:t>
             </a:r>
             <a:br>
-              <a:rPr lang="en-GB" dirty="0" smtClean="0"/>
+              <a:rPr lang="en-GB" dirty="0"/>
             </a:br>
             <a:r>
-              <a:rPr lang="en-GB" sz="4000" dirty="0" smtClean="0">
+              <a:rPr lang="en-GB" sz="4000" dirty="0">
                 <a:solidFill>
                   <a:schemeClr val="bg1">
                     <a:lumMod val="50000"/>
@@ -5125,13 +4969,6 @@
               </a:rPr>
               <a:t>Using Sequences</a:t>
             </a:r>
-            <a:endParaRPr lang="en-GB" sz="4000" dirty="0">
-              <a:solidFill>
-                <a:schemeClr val="bg1">
-                  <a:lumMod val="50000"/>
-                </a:schemeClr>
-              </a:solidFill>
-            </a:endParaRPr>
           </a:p>
         </p:txBody>
       </p:sp>
@@ -5156,38 +4993,37 @@
           <a:lstStyle/>
           <a:p>
             <a:r>
-              <a:rPr lang="en-GB" dirty="0" smtClean="0"/>
+              <a:rPr lang="en-GB" dirty="0"/>
               <a:t>Sequences are objects that generate sequential numbers</a:t>
             </a:r>
           </a:p>
           <a:p>
             <a:pPr lvl="1"/>
             <a:r>
-              <a:rPr lang="en-GB" dirty="0" smtClean="0"/>
+              <a:rPr lang="en-GB" dirty="0"/>
               <a:t>Supported in SQL Server 2012 and later</a:t>
             </a:r>
           </a:p>
           <a:p>
             <a:pPr lvl="1"/>
             <a:r>
-              <a:rPr lang="en-GB" dirty="0" smtClean="0"/>
+              <a:rPr lang="en-GB" dirty="0"/>
               <a:t>Exist independently of tables, so offer greater flexibility than Identity</a:t>
             </a:r>
           </a:p>
           <a:p>
             <a:pPr lvl="1"/>
             <a:r>
-              <a:rPr lang="en-GB" dirty="0" smtClean="0"/>
+              <a:rPr lang="en-GB" dirty="0"/>
               <a:t>Use SELECT NEXT VALUE FOR to retrieve the next sequential number</a:t>
             </a:r>
           </a:p>
           <a:p>
             <a:pPr lvl="2"/>
             <a:r>
-              <a:rPr lang="en-GB" dirty="0" smtClean="0"/>
+              <a:rPr lang="en-GB" dirty="0"/>
               <a:t>Can be set as the default value for a column</a:t>
             </a:r>
-            <a:endParaRPr lang="en-GB" dirty="0"/>
           </a:p>
         </p:txBody>
       </p:sp>
@@ -5210,10 +5046,7 @@
             </a:avLst>
           </a:prstGeom>
           <a:solidFill>
-            <a:srgbClr val="8DACD0">
-              <a:lumMod val="20000"/>
-              <a:lumOff val="80000"/>
-            </a:srgbClr>
+            <a:schemeClr val="bg1"/>
           </a:solidFill>
           <a:ln w="9525" algn="ctr">
             <a:solidFill>
@@ -5253,7 +5086,7 @@
               <a:defRPr/>
             </a:pPr>
             <a:r>
-              <a:rPr kumimoji="0" lang="en-US" sz="2000" i="0" u="none" strike="noStrike" kern="0" cap="none" spc="0" normalizeH="0" baseline="0" noProof="0" dirty="0" smtClean="0">
+              <a:rPr kumimoji="0" lang="en-US" sz="2000" i="0" u="none" strike="noStrike" kern="0" cap="none" spc="0" normalizeH="0" baseline="0" noProof="0" dirty="0">
                 <a:ln>
                   <a:noFill/>
                 </a:ln>
@@ -5266,7 +5099,7 @@
               <a:t>CREATE SEQUENCE </a:t>
             </a:r>
             <a:r>
-              <a:rPr kumimoji="0" lang="en-US" sz="2000" i="0" u="none" strike="noStrike" kern="0" cap="none" spc="0" normalizeH="0" baseline="0" noProof="0" dirty="0" err="1" smtClean="0">
+              <a:rPr kumimoji="0" lang="en-US" sz="2000" i="0" u="none" strike="noStrike" kern="0" cap="none" spc="0" normalizeH="0" baseline="0" noProof="0" dirty="0" err="1">
                 <a:ln>
                   <a:noFill/>
                 </a:ln>
@@ -5279,7 +5112,7 @@
               <a:t>Sales.OrderNumbers</a:t>
             </a:r>
             <a:r>
-              <a:rPr kumimoji="0" lang="en-US" sz="2000" i="0" u="none" strike="noStrike" kern="0" cap="none" spc="0" normalizeH="0" baseline="0" noProof="0" dirty="0" smtClean="0">
+              <a:rPr kumimoji="0" lang="en-US" sz="2000" i="0" u="none" strike="noStrike" kern="0" cap="none" spc="0" normalizeH="0" baseline="0" noProof="0" dirty="0">
                 <a:ln>
                   <a:noFill/>
                 </a:ln>
@@ -5311,7 +5144,7 @@
               <a:defRPr/>
             </a:pPr>
             <a:r>
-              <a:rPr kumimoji="0" lang="en-US" sz="2000" i="0" u="none" strike="noStrike" kern="0" cap="none" spc="0" normalizeH="0" baseline="0" noProof="0" dirty="0" smtClean="0">
+              <a:rPr kumimoji="0" lang="en-US" sz="2000" i="0" u="none" strike="noStrike" kern="0" cap="none" spc="0" normalizeH="0" baseline="0" noProof="0" dirty="0">
                 <a:ln>
                   <a:noFill/>
                 </a:ln>
@@ -5321,10 +5154,10 @@
                 <a:latin typeface="Lucida Sans Unicode" panose="020B0602030504020204" pitchFamily="34" charset="0"/>
                 <a:cs typeface="Lucida Sans Unicode" panose="020B0602030504020204" pitchFamily="34" charset="0"/>
               </a:rPr>
-              <a:t>STARTS WITH 1 INCREMENT</a:t>
-            </a:r>
-            <a:r>
-              <a:rPr kumimoji="0" lang="en-US" sz="2000" i="0" u="none" strike="noStrike" kern="0" cap="none" spc="0" normalizeH="0" noProof="0" dirty="0" smtClean="0">
+              <a:t>START WITH 1 INCREMENT</a:t>
+            </a:r>
+            <a:r>
+              <a:rPr kumimoji="0" lang="en-US" sz="2000" i="0" u="none" strike="noStrike" kern="0" cap="none" spc="0" normalizeH="0" noProof="0" dirty="0">
                 <a:ln>
                   <a:noFill/>
                 </a:ln>
@@ -5337,7 +5170,7 @@
               <a:t> BY 1</a:t>
             </a:r>
             <a:r>
-              <a:rPr kumimoji="0" lang="en-US" sz="2000" i="0" u="none" strike="noStrike" kern="0" cap="none" spc="0" normalizeH="0" baseline="0" noProof="0" dirty="0" smtClean="0">
+              <a:rPr kumimoji="0" lang="en-US" sz="2000" i="0" u="none" strike="noStrike" kern="0" cap="none" spc="0" normalizeH="0" baseline="0" noProof="0" dirty="0">
                 <a:ln>
                   <a:noFill/>
                 </a:ln>
@@ -5369,7 +5202,7 @@
               <a:defRPr/>
             </a:pPr>
             <a:r>
-              <a:rPr lang="en-US" sz="2000" kern="0" dirty="0" smtClean="0">
+              <a:rPr lang="en-US" sz="2000" kern="0" dirty="0">
                 <a:latin typeface="Lucida Sans Unicode" panose="020B0602030504020204" pitchFamily="34" charset="0"/>
                 <a:cs typeface="Lucida Sans Unicode" panose="020B0602030504020204" pitchFamily="34" charset="0"/>
               </a:rPr>
@@ -5395,7 +5228,7 @@
               <a:defRPr/>
             </a:pPr>
             <a:r>
-              <a:rPr kumimoji="0" lang="en-US" sz="2000" i="0" u="none" strike="noStrike" kern="0" cap="none" spc="0" normalizeH="0" baseline="0" noProof="0" dirty="0" smtClean="0">
+              <a:rPr kumimoji="0" lang="en-US" sz="2000" i="0" u="none" strike="noStrike" kern="0" cap="none" spc="0" normalizeH="0" baseline="0" noProof="0" dirty="0">
                 <a:ln>
                   <a:noFill/>
                 </a:ln>
@@ -5408,7 +5241,7 @@
               <a:t>SELECT NEXT VALUE FOR </a:t>
             </a:r>
             <a:r>
-              <a:rPr kumimoji="0" lang="en-US" sz="2000" i="0" u="none" strike="noStrike" kern="0" cap="none" spc="0" normalizeH="0" baseline="0" noProof="0" dirty="0" err="1" smtClean="0">
+              <a:rPr kumimoji="0" lang="en-US" sz="2000" i="0" u="none" strike="noStrike" kern="0" cap="none" spc="0" normalizeH="0" baseline="0" noProof="0" dirty="0" err="1">
                 <a:ln>
                   <a:noFill/>
                 </a:ln>
@@ -5421,7 +5254,7 @@
               <a:t>Sales.OrderNumbers</a:t>
             </a:r>
             <a:r>
-              <a:rPr kumimoji="0" lang="en-US" sz="2000" i="0" u="none" strike="noStrike" kern="0" cap="none" spc="0" normalizeH="0" baseline="0" noProof="0" dirty="0" smtClean="0">
+              <a:rPr kumimoji="0" lang="en-US" sz="2000" i="0" u="none" strike="noStrike" kern="0" cap="none" spc="0" normalizeH="0" baseline="0" noProof="0" dirty="0">
                 <a:ln>
                   <a:noFill/>
                 </a:ln>
@@ -5716,10 +5549,9 @@
           <a:lstStyle/>
           <a:p>
             <a:r>
-              <a:rPr lang="en-GB" dirty="0" smtClean="0"/>
+              <a:rPr lang="en-GB" dirty="0"/>
               <a:t>Inserting Data into Tables</a:t>
             </a:r>
-            <a:endParaRPr lang="en-GB" dirty="0"/>
           </a:p>
         </p:txBody>
       </p:sp>
@@ -5771,14 +5603,14 @@
           <a:lstStyle/>
           <a:p>
             <a:r>
-              <a:rPr lang="en-GB" dirty="0" smtClean="0"/>
+              <a:rPr lang="en-GB" dirty="0"/>
               <a:t>Updating Data in a Table</a:t>
             </a:r>
             <a:br>
-              <a:rPr lang="en-GB" dirty="0" smtClean="0"/>
+              <a:rPr lang="en-GB" dirty="0"/>
             </a:br>
             <a:r>
-              <a:rPr lang="en-GB" sz="4000" dirty="0" smtClean="0">
+              <a:rPr lang="en-GB" sz="4000" dirty="0">
                 <a:solidFill>
                   <a:schemeClr val="bg1">
                     <a:lumMod val="50000"/>
@@ -5828,19 +5660,7 @@
             <a:pPr lvl="1"/>
             <a:r>
               <a:rPr lang="en-GB" dirty="0"/>
-              <a:t>Set can be defined with a </a:t>
-            </a:r>
-            <a:r>
-              <a:rPr lang="en-GB" dirty="0" smtClean="0"/>
-              <a:t>FROM</a:t>
-            </a:r>
-            <a:r>
-              <a:rPr lang="en-GB" dirty="0" smtClean="0"/>
-              <a:t> </a:t>
-            </a:r>
-            <a:r>
-              <a:rPr lang="en-GB" dirty="0"/>
-              <a:t>clause</a:t>
+              <a:t>Set can be defined with a FROM clause</a:t>
             </a:r>
           </a:p>
           <a:p>
@@ -5916,7 +5736,7 @@
               <a:defRPr/>
             </a:pPr>
             <a:r>
-              <a:rPr kumimoji="0" lang="en-US" sz="2000" i="0" u="none" strike="noStrike" kern="0" cap="none" spc="0" normalizeH="0" baseline="0" noProof="0" dirty="0" smtClean="0">
+              <a:rPr kumimoji="0" lang="en-US" sz="2000" i="0" u="none" strike="noStrike" kern="0" cap="none" spc="0" normalizeH="0" baseline="0" noProof="0" dirty="0">
                 <a:ln>
                   <a:noFill/>
                 </a:ln>
@@ -5929,7 +5749,7 @@
               <a:t>UPDATE </a:t>
             </a:r>
             <a:r>
-              <a:rPr kumimoji="0" lang="en-US" sz="2000" i="0" u="none" strike="noStrike" kern="0" cap="none" spc="0" normalizeH="0" baseline="0" noProof="0" dirty="0" err="1" smtClean="0">
+              <a:rPr kumimoji="0" lang="en-US" sz="2000" i="0" u="none" strike="noStrike" kern="0" cap="none" spc="0" normalizeH="0" baseline="0" noProof="0" dirty="0" err="1">
                 <a:ln>
                   <a:noFill/>
                 </a:ln>
@@ -5941,7 +5761,7 @@
               </a:rPr>
               <a:t>Production.Product</a:t>
             </a:r>
-            <a:endParaRPr kumimoji="0" lang="en-US" sz="2000" i="0" u="none" strike="noStrike" kern="0" cap="none" spc="0" normalizeH="0" baseline="0" noProof="0" dirty="0" smtClean="0">
+            <a:endParaRPr kumimoji="0" lang="en-US" sz="2000" i="0" u="none" strike="noStrike" kern="0" cap="none" spc="0" normalizeH="0" baseline="0" noProof="0" dirty="0">
               <a:ln>
                 <a:noFill/>
               </a:ln>
@@ -5971,7 +5791,7 @@
               <a:defRPr/>
             </a:pPr>
             <a:r>
-              <a:rPr kumimoji="0" lang="en-US" sz="2000" i="0" u="none" strike="noStrike" kern="0" cap="none" spc="0" normalizeH="0" baseline="0" noProof="0" dirty="0" smtClean="0">
+              <a:rPr kumimoji="0" lang="en-US" sz="2000" i="0" u="none" strike="noStrike" kern="0" cap="none" spc="0" normalizeH="0" baseline="0" noProof="0" dirty="0">
                 <a:ln>
                   <a:noFill/>
                 </a:ln>
@@ -6003,7 +5823,7 @@
               <a:defRPr/>
             </a:pPr>
             <a:r>
-              <a:rPr kumimoji="0" lang="en-US" sz="2000" i="0" u="none" strike="noStrike" kern="0" cap="none" spc="0" normalizeH="0" baseline="0" noProof="0" dirty="0" smtClean="0">
+              <a:rPr kumimoji="0" lang="en-US" sz="2000" i="0" u="none" strike="noStrike" kern="0" cap="none" spc="0" normalizeH="0" baseline="0" noProof="0" dirty="0">
                 <a:ln>
                   <a:noFill/>
                 </a:ln>
@@ -6287,14 +6107,14 @@
           <a:lstStyle/>
           <a:p>
             <a:r>
-              <a:rPr lang="en-GB" dirty="0" smtClean="0"/>
+              <a:rPr lang="en-GB" dirty="0"/>
               <a:t>Updating Data in a Table</a:t>
             </a:r>
             <a:br>
-              <a:rPr lang="en-GB" dirty="0" smtClean="0"/>
+              <a:rPr lang="en-GB" dirty="0"/>
             </a:br>
             <a:r>
-              <a:rPr lang="en-GB" sz="4000" dirty="0" smtClean="0">
+              <a:rPr lang="en-GB" sz="4000" dirty="0">
                 <a:solidFill>
                   <a:schemeClr val="bg1">
                     <a:lumMod val="50000"/>
@@ -6503,14 +6323,7 @@
                 <a:latin typeface="Lucida Sans Unicode" panose="020B0602030504020204" pitchFamily="34" charset="0"/>
                 <a:cs typeface="Lucida Sans Unicode" panose="020B0602030504020204" pitchFamily="34" charset="0"/>
               </a:rPr>
-              <a:t>	</a:t>
-            </a:r>
-            <a:r>
-              <a:rPr lang="en-US" kern="0" dirty="0" smtClean="0">
-                <a:latin typeface="Lucida Sans Unicode" panose="020B0602030504020204" pitchFamily="34" charset="0"/>
-                <a:cs typeface="Lucida Sans Unicode" panose="020B0602030504020204" pitchFamily="34" charset="0"/>
-              </a:rPr>
-              <a:t>ON </a:t>
+              <a:t>	ON </a:t>
             </a:r>
             <a:r>
               <a:rPr lang="en-US" kern="0" dirty="0" err="1">
@@ -6589,49 +6402,49 @@
               <a:t>	</a:t>
             </a:r>
             <a:r>
-              <a:rPr lang="en-US" kern="0" dirty="0" err="1" smtClean="0">
+              <a:rPr lang="en-US" kern="0" dirty="0" err="1">
                 <a:latin typeface="Lucida Sans Unicode" panose="020B0602030504020204" pitchFamily="34" charset="0"/>
                 <a:cs typeface="Lucida Sans Unicode" panose="020B0602030504020204" pitchFamily="34" charset="0"/>
               </a:rPr>
               <a:t>P.UnitPrice</a:t>
             </a:r>
             <a:r>
-              <a:rPr lang="en-US" kern="0" dirty="0" smtClean="0">
+              <a:rPr lang="en-US" kern="0" dirty="0">
                 <a:latin typeface="Lucida Sans Unicode" panose="020B0602030504020204" pitchFamily="34" charset="0"/>
                 <a:cs typeface="Lucida Sans Unicode" panose="020B0602030504020204" pitchFamily="34" charset="0"/>
               </a:rPr>
               <a:t> = </a:t>
             </a:r>
             <a:r>
-              <a:rPr lang="en-US" kern="0" dirty="0" err="1" smtClean="0">
+              <a:rPr lang="en-US" kern="0" dirty="0" err="1">
                 <a:latin typeface="Lucida Sans Unicode" panose="020B0602030504020204" pitchFamily="34" charset="0"/>
                 <a:cs typeface="Lucida Sans Unicode" panose="020B0602030504020204" pitchFamily="34" charset="0"/>
               </a:rPr>
               <a:t>S.UnitPrice</a:t>
             </a:r>
             <a:r>
-              <a:rPr lang="en-US" kern="0" dirty="0" smtClean="0">
+              <a:rPr lang="en-US" kern="0" dirty="0">
                 <a:latin typeface="Lucida Sans Unicode" panose="020B0602030504020204" pitchFamily="34" charset="0"/>
                 <a:cs typeface="Lucida Sans Unicode" panose="020B0602030504020204" pitchFamily="34" charset="0"/>
               </a:rPr>
               <a:t>, </a:t>
             </a:r>
             <a:r>
-              <a:rPr lang="en-US" kern="0" dirty="0" err="1" smtClean="0">
+              <a:rPr lang="en-US" kern="0" dirty="0" err="1">
                 <a:latin typeface="Lucida Sans Unicode" panose="020B0602030504020204" pitchFamily="34" charset="0"/>
                 <a:cs typeface="Lucida Sans Unicode" panose="020B0602030504020204" pitchFamily="34" charset="0"/>
               </a:rPr>
               <a:t>P.Discontinued</a:t>
             </a:r>
             <a:r>
-              <a:rPr lang="en-US" kern="0" dirty="0" smtClean="0">
+              <a:rPr lang="en-US" kern="0" dirty="0">
                 <a:latin typeface="Lucida Sans Unicode" panose="020B0602030504020204" pitchFamily="34" charset="0"/>
                 <a:cs typeface="Lucida Sans Unicode" panose="020B0602030504020204" pitchFamily="34" charset="0"/>
               </a:rPr>
               <a:t>=</a:t>
             </a:r>
             <a:r>
-              <a:rPr lang="en-US" kern="0" dirty="0" err="1" smtClean="0">
+              <a:rPr lang="en-US" kern="0" dirty="0" err="1">
                 <a:latin typeface="Lucida Sans Unicode" panose="020B0602030504020204" pitchFamily="34" charset="0"/>
                 <a:cs typeface="Lucida Sans Unicode" panose="020B0602030504020204" pitchFamily="34" charset="0"/>
               </a:rPr>
@@ -6673,70 +6486,49 @@
                 <a:latin typeface="Lucida Sans Unicode" panose="020B0602030504020204" pitchFamily="34" charset="0"/>
                 <a:cs typeface="Lucida Sans Unicode" panose="020B0602030504020204" pitchFamily="34" charset="0"/>
               </a:rPr>
-              <a:t>	INSERT </a:t>
-            </a:r>
-            <a:r>
-              <a:rPr lang="en-US" kern="0" dirty="0" smtClean="0">
-                <a:latin typeface="Lucida Sans Unicode" panose="020B0602030504020204" pitchFamily="34" charset="0"/>
-                <a:cs typeface="Lucida Sans Unicode" panose="020B0602030504020204" pitchFamily="34" charset="0"/>
-              </a:rPr>
-              <a:t>(</a:t>
+              <a:t>	INSERT (</a:t>
             </a:r>
             <a:r>
               <a:rPr lang="en-US" kern="0" dirty="0" err="1">
                 <a:latin typeface="Lucida Sans Unicode" panose="020B0602030504020204" pitchFamily="34" charset="0"/>
                 <a:cs typeface="Lucida Sans Unicode" panose="020B0602030504020204" pitchFamily="34" charset="0"/>
               </a:rPr>
-              <a:t>P</a:t>
-            </a:r>
-            <a:r>
-              <a:rPr lang="en-US" kern="0" dirty="0" err="1" smtClean="0">
-                <a:latin typeface="Lucida Sans Unicode" panose="020B0602030504020204" pitchFamily="34" charset="0"/>
-                <a:cs typeface="Lucida Sans Unicode" panose="020B0602030504020204" pitchFamily="34" charset="0"/>
-              </a:rPr>
-              <a:t>roductName</a:t>
-            </a:r>
-            <a:r>
-              <a:rPr lang="en-US" kern="0" dirty="0" smtClean="0">
+              <a:t>ProductName</a:t>
+            </a:r>
+            <a:r>
+              <a:rPr lang="en-US" kern="0" dirty="0">
                 <a:latin typeface="Lucida Sans Unicode" panose="020B0602030504020204" pitchFamily="34" charset="0"/>
                 <a:cs typeface="Lucida Sans Unicode" panose="020B0602030504020204" pitchFamily="34" charset="0"/>
               </a:rPr>
               <a:t>, </a:t>
             </a:r>
             <a:r>
-              <a:rPr lang="en-US" kern="0" dirty="0" err="1" smtClean="0">
+              <a:rPr lang="en-US" kern="0" dirty="0" err="1">
                 <a:latin typeface="Lucida Sans Unicode" panose="020B0602030504020204" pitchFamily="34" charset="0"/>
                 <a:cs typeface="Lucida Sans Unicode" panose="020B0602030504020204" pitchFamily="34" charset="0"/>
               </a:rPr>
               <a:t>CategoryID</a:t>
             </a:r>
             <a:r>
-              <a:rPr lang="en-US" kern="0" dirty="0" smtClean="0">
+              <a:rPr lang="en-US" kern="0" dirty="0">
                 <a:latin typeface="Lucida Sans Unicode" panose="020B0602030504020204" pitchFamily="34" charset="0"/>
                 <a:cs typeface="Lucida Sans Unicode" panose="020B0602030504020204" pitchFamily="34" charset="0"/>
               </a:rPr>
               <a:t>, </a:t>
             </a:r>
             <a:r>
-              <a:rPr lang="en-US" kern="0" dirty="0" err="1" smtClean="0">
+              <a:rPr lang="en-US" kern="0" dirty="0" err="1">
                 <a:latin typeface="Lucida Sans Unicode" panose="020B0602030504020204" pitchFamily="34" charset="0"/>
                 <a:cs typeface="Lucida Sans Unicode" panose="020B0602030504020204" pitchFamily="34" charset="0"/>
               </a:rPr>
               <a:t>UnitPrice</a:t>
             </a:r>
             <a:r>
-              <a:rPr lang="en-US" kern="0" dirty="0" smtClean="0">
-                <a:latin typeface="Lucida Sans Unicode" panose="020B0602030504020204" pitchFamily="34" charset="0"/>
-                <a:cs typeface="Lucida Sans Unicode" panose="020B0602030504020204" pitchFamily="34" charset="0"/>
-              </a:rPr>
-              <a:t>, Discontinued</a:t>
-            </a:r>
-            <a:r>
               <a:rPr lang="en-US" kern="0" dirty="0">
                 <a:latin typeface="Lucida Sans Unicode" panose="020B0602030504020204" pitchFamily="34" charset="0"/>
                 <a:cs typeface="Lucida Sans Unicode" panose="020B0602030504020204" pitchFamily="34" charset="0"/>
               </a:rPr>
-              <a:t>)</a:t>
+              <a:t>, Discontinued)</a:t>
             </a:r>
           </a:p>
           <a:p>
@@ -6756,49 +6548,49 @@
               <a:t>	VALUES (</a:t>
             </a:r>
             <a:r>
-              <a:rPr lang="en-US" kern="0" dirty="0" err="1" smtClean="0">
+              <a:rPr lang="en-US" kern="0" dirty="0" err="1">
                 <a:latin typeface="Lucida Sans Unicode" panose="020B0602030504020204" pitchFamily="34" charset="0"/>
                 <a:cs typeface="Lucida Sans Unicode" panose="020B0602030504020204" pitchFamily="34" charset="0"/>
               </a:rPr>
               <a:t>S.ProductName</a:t>
             </a:r>
             <a:r>
-              <a:rPr lang="en-US" kern="0" dirty="0" smtClean="0">
+              <a:rPr lang="en-US" kern="0" dirty="0">
                 <a:latin typeface="Lucida Sans Unicode" panose="020B0602030504020204" pitchFamily="34" charset="0"/>
                 <a:cs typeface="Lucida Sans Unicode" panose="020B0602030504020204" pitchFamily="34" charset="0"/>
               </a:rPr>
               <a:t>, </a:t>
             </a:r>
             <a:r>
-              <a:rPr lang="en-US" kern="0" dirty="0" err="1" smtClean="0">
+              <a:rPr lang="en-US" kern="0" dirty="0" err="1">
                 <a:latin typeface="Lucida Sans Unicode" panose="020B0602030504020204" pitchFamily="34" charset="0"/>
                 <a:cs typeface="Lucida Sans Unicode" panose="020B0602030504020204" pitchFamily="34" charset="0"/>
               </a:rPr>
               <a:t>S.CategoryID</a:t>
             </a:r>
             <a:r>
-              <a:rPr lang="en-US" kern="0" dirty="0" smtClean="0">
+              <a:rPr lang="en-US" kern="0" dirty="0">
                 <a:latin typeface="Lucida Sans Unicode" panose="020B0602030504020204" pitchFamily="34" charset="0"/>
                 <a:cs typeface="Lucida Sans Unicode" panose="020B0602030504020204" pitchFamily="34" charset="0"/>
               </a:rPr>
               <a:t>, </a:t>
             </a:r>
             <a:r>
-              <a:rPr lang="en-US" kern="0" dirty="0" err="1" smtClean="0">
+              <a:rPr lang="en-US" kern="0" dirty="0" err="1">
                 <a:latin typeface="Lucida Sans Unicode" panose="020B0602030504020204" pitchFamily="34" charset="0"/>
                 <a:cs typeface="Lucida Sans Unicode" panose="020B0602030504020204" pitchFamily="34" charset="0"/>
               </a:rPr>
               <a:t>S.UnitPrice</a:t>
             </a:r>
             <a:r>
-              <a:rPr lang="en-US" kern="0" dirty="0" smtClean="0">
+              <a:rPr lang="en-US" kern="0" dirty="0">
                 <a:latin typeface="Lucida Sans Unicode" panose="020B0602030504020204" pitchFamily="34" charset="0"/>
                 <a:cs typeface="Lucida Sans Unicode" panose="020B0602030504020204" pitchFamily="34" charset="0"/>
               </a:rPr>
               <a:t>, </a:t>
             </a:r>
             <a:r>
-              <a:rPr lang="en-US" kern="0" dirty="0" err="1" smtClean="0">
+              <a:rPr lang="en-US" kern="0" dirty="0" err="1">
                 <a:latin typeface="Lucida Sans Unicode" panose="020B0602030504020204" pitchFamily="34" charset="0"/>
                 <a:cs typeface="Lucida Sans Unicode" panose="020B0602030504020204" pitchFamily="34" charset="0"/>
               </a:rPr>
@@ -6811,7 +6603,7 @@
               </a:rPr>
               <a:t>);</a:t>
             </a:r>
-            <a:endParaRPr kumimoji="0" lang="en-US" i="0" u="none" strike="noStrike" kern="0" cap="none" spc="0" normalizeH="0" baseline="0" noProof="0" dirty="0" smtClean="0">
+            <a:endParaRPr kumimoji="0" lang="en-US" i="0" u="none" strike="noStrike" kern="0" cap="none" spc="0" normalizeH="0" baseline="0" noProof="0" dirty="0">
               <a:ln>
                 <a:noFill/>
               </a:ln>
@@ -7073,10 +6865,9 @@
           <a:lstStyle/>
           <a:p>
             <a:r>
-              <a:rPr lang="en-GB" dirty="0" smtClean="0"/>
+              <a:rPr lang="en-GB" dirty="0"/>
               <a:t>Deleting Data From a Table</a:t>
             </a:r>
-            <a:endParaRPr lang="en-GB" dirty="0"/>
           </a:p>
         </p:txBody>
       </p:sp>
@@ -7102,27 +6893,18 @@
           <a:p>
             <a:r>
               <a:rPr lang="en-US" dirty="0"/>
-              <a:t>DELETE without a WHERE clause deletes all </a:t>
-            </a:r>
-            <a:r>
-              <a:rPr lang="en-US" dirty="0" smtClean="0"/>
-              <a:t>rows</a:t>
-            </a:r>
-            <a:endParaRPr lang="en-US" dirty="0"/>
+              <a:t>DELETE without a WHERE clause deletes all rows</a:t>
+            </a:r>
           </a:p>
           <a:p>
             <a:pPr lvl="1"/>
             <a:r>
               <a:rPr lang="en-US" dirty="0"/>
-              <a:t>Use a WHERE clause to delete specific </a:t>
-            </a:r>
-            <a:r>
-              <a:rPr lang="en-US" dirty="0" smtClean="0"/>
-              <a:t>rows</a:t>
-            </a:r>
-          </a:p>
-          <a:p>
-            <a:endParaRPr lang="en-US" sz="5400" dirty="0" smtClean="0"/>
+              <a:t>Use a WHERE clause to delete specific rows</a:t>
+            </a:r>
+          </a:p>
+          <a:p>
+            <a:endParaRPr lang="en-US" sz="5400" dirty="0"/>
           </a:p>
           <a:p>
             <a:r>
@@ -7163,22 +6945,14 @@
             <a:pPr lvl="1"/>
             <a:r>
               <a:rPr lang="en-GB" dirty="0"/>
-              <a:t>TRUNCATE TABLE </a:t>
-            </a:r>
-            <a:r>
-              <a:rPr lang="en-GB" dirty="0" smtClean="0"/>
-              <a:t>Will </a:t>
-            </a:r>
-            <a:r>
-              <a:rPr lang="en-GB" dirty="0"/>
-              <a:t>fail if the table is referenced by a foreign key constraint in another table</a:t>
+              <a:t>TRUNCATE TABLE Will fail if the table is referenced by a foreign key constraint in another table</a:t>
             </a:r>
           </a:p>
           <a:p>
             <a:endParaRPr lang="en-GB" dirty="0"/>
           </a:p>
           <a:p>
-            <a:endParaRPr lang="en-US" dirty="0" smtClean="0"/>
+            <a:endParaRPr lang="en-US" dirty="0"/>
           </a:p>
           <a:p>
             <a:endParaRPr lang="en-US" dirty="0"/>
@@ -7247,7 +7021,7 @@
               <a:defRPr/>
             </a:pPr>
             <a:r>
-              <a:rPr kumimoji="0" lang="en-GB" sz="2000" b="0" i="0" u="none" strike="noStrike" kern="0" cap="none" spc="0" normalizeH="0" baseline="0" noProof="0" dirty="0" smtClean="0">
+              <a:rPr kumimoji="0" lang="en-GB" sz="2000" b="0" i="0" u="none" strike="noStrike" kern="0" cap="none" spc="0" normalizeH="0" baseline="0" noProof="0" dirty="0">
                 <a:ln>
                   <a:noFill/>
                 </a:ln>
@@ -7259,7 +7033,7 @@
               <a:t>DELETE FROM </a:t>
             </a:r>
             <a:r>
-              <a:rPr kumimoji="0" lang="en-GB" sz="2000" b="0" i="0" u="none" strike="noStrike" kern="0" cap="none" spc="0" normalizeH="0" baseline="0" noProof="0" dirty="0" err="1" smtClean="0">
+              <a:rPr kumimoji="0" lang="en-GB" sz="2000" b="0" i="0" u="none" strike="noStrike" kern="0" cap="none" spc="0" normalizeH="0" baseline="0" noProof="0" dirty="0" err="1">
                 <a:ln>
                   <a:noFill/>
                 </a:ln>
@@ -7270,7 +7044,7 @@
               </a:rPr>
               <a:t>Sales.OrderDetails</a:t>
             </a:r>
-            <a:endParaRPr kumimoji="0" lang="en-GB" sz="2000" b="0" i="0" u="none" strike="noStrike" kern="0" cap="none" spc="0" normalizeH="0" baseline="0" noProof="0" dirty="0" smtClean="0">
+            <a:endParaRPr kumimoji="0" lang="en-GB" sz="2000" b="0" i="0" u="none" strike="noStrike" kern="0" cap="none" spc="0" normalizeH="0" baseline="0" noProof="0" dirty="0">
               <a:ln>
                 <a:noFill/>
               </a:ln>
@@ -7299,7 +7073,7 @@
               <a:defRPr/>
             </a:pPr>
             <a:r>
-              <a:rPr kumimoji="0" lang="en-GB" sz="2000" b="0" i="0" u="none" strike="noStrike" kern="0" cap="none" spc="0" normalizeH="0" baseline="0" noProof="0" dirty="0" smtClean="0">
+              <a:rPr kumimoji="0" lang="en-GB" sz="2000" b="0" i="0" u="none" strike="noStrike" kern="0" cap="none" spc="0" normalizeH="0" baseline="0" noProof="0" dirty="0">
                 <a:ln>
                   <a:noFill/>
                 </a:ln>
@@ -7311,7 +7085,7 @@
               <a:t>WHERE </a:t>
             </a:r>
             <a:r>
-              <a:rPr kumimoji="0" lang="en-GB" sz="2000" b="0" i="0" u="none" strike="noStrike" kern="0" cap="none" spc="0" normalizeH="0" baseline="0" noProof="0" dirty="0" err="1" smtClean="0">
+              <a:rPr kumimoji="0" lang="en-GB" sz="2000" b="0" i="0" u="none" strike="noStrike" kern="0" cap="none" spc="0" normalizeH="0" baseline="0" noProof="0" dirty="0" err="1">
                 <a:ln>
                   <a:noFill/>
                 </a:ln>
@@ -7323,7 +7097,7 @@
               <a:t>orderid</a:t>
             </a:r>
             <a:r>
-              <a:rPr kumimoji="0" lang="en-GB" sz="2000" b="0" i="0" u="none" strike="noStrike" kern="0" cap="none" spc="0" normalizeH="0" baseline="0" noProof="0" dirty="0" smtClean="0">
+              <a:rPr kumimoji="0" lang="en-GB" sz="2000" b="0" i="0" u="none" strike="noStrike" kern="0" cap="none" spc="0" normalizeH="0" baseline="0" noProof="0" dirty="0">
                 <a:ln>
                   <a:noFill/>
                 </a:ln>
@@ -8472,6 +8246,21 @@
 </file>
 
 <file path=customXml/item1.xml><?xml version="1.0" encoding="utf-8"?>
+<p:properties xmlns:p="http://schemas.microsoft.com/office/2006/metadata/properties" xmlns:xsi="http://www.w3.org/2001/XMLSchema-instance" xmlns:pc="http://schemas.microsoft.com/office/infopath/2007/PartnerControls">
+  <documentManagement/>
+</p:properties>
+</file>
+
+<file path=customXml/item2.xml><?xml version="1.0" encoding="utf-8"?>
+<?mso-contentType ?>
+<FormTemplates xmlns="http://schemas.microsoft.com/sharepoint/v3/contenttype/forms">
+  <Display>DocumentLibraryForm</Display>
+  <Edit>DocumentLibraryForm</Edit>
+  <New>DocumentLibraryForm</New>
+</FormTemplates>
+</file>
+
+<file path=customXml/item3.xml><?xml version="1.0" encoding="utf-8"?>
 <ct:contentTypeSchema xmlns:ct="http://schemas.microsoft.com/office/2006/metadata/contentType" xmlns:ma="http://schemas.microsoft.com/office/2006/metadata/properties/metaAttributes" ct:_="" ma:_="" ma:contentTypeName="Document" ma:contentTypeID="0x01010079BB4A0D4213DB47994680C80D11F5DD" ma:contentTypeVersion="1" ma:contentTypeDescription="Create a new document." ma:contentTypeScope="" ma:versionID="96a6bc2bd8995b4b9093243cef4fad3d">
   <xsd:schema xmlns:xsd="http://www.w3.org/2001/XMLSchema" xmlns:xs="http://www.w3.org/2001/XMLSchema" xmlns:p="http://schemas.microsoft.com/office/2006/metadata/properties" xmlns:ns3="cee562b2-a1d2-4025-98f7-4342ab8845c9" targetNamespace="http://schemas.microsoft.com/office/2006/metadata/properties" ma:root="true" ma:fieldsID="13d9432d2926fecf9f1fb05b25550e3e" ns3:_="">
     <xsd:import namespace="cee562b2-a1d2-4025-98f7-4342ab8845c9"/>
@@ -8611,22 +8400,31 @@
 </ct:contentTypeSchema>
 </file>
 
-<file path=customXml/item2.xml><?xml version="1.0" encoding="utf-8"?>
-<?mso-contentType ?>
-<FormTemplates xmlns="http://schemas.microsoft.com/sharepoint/v3/contenttype/forms">
-  <Display>DocumentLibraryForm</Display>
-  <Edit>DocumentLibraryForm</Edit>
-  <New>DocumentLibraryForm</New>
-</FormTemplates>
+<file path=customXml/itemProps1.xml><?xml version="1.0" encoding="utf-8"?>
+<ds:datastoreItem xmlns:ds="http://schemas.openxmlformats.org/officeDocument/2006/customXml" ds:itemID="{7025FDD9-4C58-4084-9F89-0E6ADD6FFF55}">
+  <ds:schemaRefs>
+    <ds:schemaRef ds:uri="http://schemas.microsoft.com/office/2006/documentManagement/types"/>
+    <ds:schemaRef ds:uri="http://purl.org/dc/terms/"/>
+    <ds:schemaRef ds:uri="http://schemas.openxmlformats.org/package/2006/metadata/core-properties"/>
+    <ds:schemaRef ds:uri="http://purl.org/dc/dcmitype/"/>
+    <ds:schemaRef ds:uri="http://schemas.microsoft.com/office/infopath/2007/PartnerControls"/>
+    <ds:schemaRef ds:uri="cee562b2-a1d2-4025-98f7-4342ab8845c9"/>
+    <ds:schemaRef ds:uri="http://purl.org/dc/elements/1.1/"/>
+    <ds:schemaRef ds:uri="http://schemas.microsoft.com/office/2006/metadata/properties"/>
+    <ds:schemaRef ds:uri="http://www.w3.org/XML/1998/namespace"/>
+  </ds:schemaRefs>
+</ds:datastoreItem>
 </file>
 
-<file path=customXml/item3.xml><?xml version="1.0" encoding="utf-8"?>
-<p:properties xmlns:p="http://schemas.microsoft.com/office/2006/metadata/properties" xmlns:xsi="http://www.w3.org/2001/XMLSchema-instance" xmlns:pc="http://schemas.microsoft.com/office/infopath/2007/PartnerControls">
-  <documentManagement/>
-</p:properties>
+<file path=customXml/itemProps2.xml><?xml version="1.0" encoding="utf-8"?>
+<ds:datastoreItem xmlns:ds="http://schemas.openxmlformats.org/officeDocument/2006/customXml" ds:itemID="{B0CA13EC-1D3C-4D6F-8D1C-E8A452CFC79A}">
+  <ds:schemaRefs>
+    <ds:schemaRef ds:uri="http://schemas.microsoft.com/sharepoint/v3/contenttype/forms"/>
+  </ds:schemaRefs>
+</ds:datastoreItem>
 </file>
 
-<file path=customXml/itemProps1.xml><?xml version="1.0" encoding="utf-8"?>
+<file path=customXml/itemProps3.xml><?xml version="1.0" encoding="utf-8"?>
 <ds:datastoreItem xmlns:ds="http://schemas.openxmlformats.org/officeDocument/2006/customXml" ds:itemID="{E37FE919-C99D-4A11-AD9F-4196C972D308}">
   <ds:schemaRefs>
     <ds:schemaRef ds:uri="http://schemas.microsoft.com/office/2006/metadata/contentType"/>
@@ -8642,28 +8440,4 @@
     <ds:schemaRef ds:uri="http://schemas.microsoft.com/internal/obd"/>
   </ds:schemaRefs>
 </ds:datastoreItem>
-</file>
-
-<file path=customXml/itemProps2.xml><?xml version="1.0" encoding="utf-8"?>
-<ds:datastoreItem xmlns:ds="http://schemas.openxmlformats.org/officeDocument/2006/customXml" ds:itemID="{B0CA13EC-1D3C-4D6F-8D1C-E8A452CFC79A}">
-  <ds:schemaRefs>
-    <ds:schemaRef ds:uri="http://schemas.microsoft.com/sharepoint/v3/contenttype/forms"/>
-  </ds:schemaRefs>
-</ds:datastoreItem>
-</file>
-
-<file path=customXml/itemProps3.xml><?xml version="1.0" encoding="utf-8"?>
-<ds:datastoreItem xmlns:ds="http://schemas.openxmlformats.org/officeDocument/2006/customXml" ds:itemID="{7025FDD9-4C58-4084-9F89-0E6ADD6FFF55}">
-  <ds:schemaRefs>
-    <ds:schemaRef ds:uri="http://schemas.microsoft.com/office/2006/documentManagement/types"/>
-    <ds:schemaRef ds:uri="http://purl.org/dc/terms/"/>
-    <ds:schemaRef ds:uri="http://schemas.openxmlformats.org/package/2006/metadata/core-properties"/>
-    <ds:schemaRef ds:uri="http://purl.org/dc/dcmitype/"/>
-    <ds:schemaRef ds:uri="http://schemas.microsoft.com/office/infopath/2007/PartnerControls"/>
-    <ds:schemaRef ds:uri="cee562b2-a1d2-4025-98f7-4342ab8845c9"/>
-    <ds:schemaRef ds:uri="http://purl.org/dc/elements/1.1/"/>
-    <ds:schemaRef ds:uri="http://schemas.microsoft.com/office/2006/metadata/properties"/>
-    <ds:schemaRef ds:uri="http://www.w3.org/XML/1998/namespace"/>
-  </ds:schemaRefs>
-</ds:datastoreItem>
 </file>